--- a/Presentation1.pptx
+++ b/Presentation1.pptx
@@ -5,7 +5,7 @@
     <p:sldMasterId id="2147483648" r:id="rId1"/>
   </p:sldMasterIdLst>
   <p:notesMasterIdLst>
-    <p:notesMasterId r:id="rId16"/>
+    <p:notesMasterId r:id="rId17"/>
   </p:notesMasterIdLst>
   <p:sldIdLst>
     <p:sldId id="256" r:id="rId2"/>
@@ -13,15 +13,16 @@
     <p:sldId id="264" r:id="rId4"/>
     <p:sldId id="265" r:id="rId5"/>
     <p:sldId id="270" r:id="rId6"/>
-    <p:sldId id="266" r:id="rId7"/>
-    <p:sldId id="258" r:id="rId8"/>
-    <p:sldId id="259" r:id="rId9"/>
-    <p:sldId id="260" r:id="rId10"/>
-    <p:sldId id="269" r:id="rId11"/>
-    <p:sldId id="261" r:id="rId12"/>
-    <p:sldId id="262" r:id="rId13"/>
-    <p:sldId id="263" r:id="rId14"/>
-    <p:sldId id="267" r:id="rId15"/>
+    <p:sldId id="272" r:id="rId7"/>
+    <p:sldId id="271" r:id="rId8"/>
+    <p:sldId id="258" r:id="rId9"/>
+    <p:sldId id="259" r:id="rId10"/>
+    <p:sldId id="260" r:id="rId11"/>
+    <p:sldId id="269" r:id="rId12"/>
+    <p:sldId id="261" r:id="rId13"/>
+    <p:sldId id="262" r:id="rId14"/>
+    <p:sldId id="263" r:id="rId15"/>
+    <p:sldId id="267" r:id="rId16"/>
   </p:sldIdLst>
   <p:sldSz cx="12192000" cy="6858000"/>
   <p:notesSz cx="6858000" cy="9144000"/>
@@ -130,7 +131,8 @@
             <p14:sldId id="264"/>
             <p14:sldId id="265"/>
             <p14:sldId id="270"/>
-            <p14:sldId id="266"/>
+            <p14:sldId id="272"/>
+            <p14:sldId id="271"/>
             <p14:sldId id="258"/>
             <p14:sldId id="259"/>
             <p14:sldId id="260"/>
@@ -232,7 +234,7 @@
           <a:p>
             <a:fld id="{DEE7E214-5D0B-46F8-A994-1D0F0F93CD1D}" type="datetimeFigureOut">
               <a:rPr lang="en-US" smtClean="0"/>
-              <a:t>11/21/2023</a:t>
+              <a:t>11/24/2023</a:t>
             </a:fld>
             <a:endParaRPr lang="en-US"/>
           </a:p>
@@ -661,7 +663,7 @@
           <a:p>
             <a:fld id="{D056D186-1F61-4B1C-80AC-D3058161960E}" type="slidenum">
               <a:rPr lang="en-US" smtClean="0"/>
-              <a:t>11</a:t>
+              <a:t>12</a:t>
             </a:fld>
             <a:endParaRPr lang="en-US"/>
           </a:p>
@@ -760,7 +762,7 @@
           <a:p>
             <a:fld id="{D056D186-1F61-4B1C-80AC-D3058161960E}" type="slidenum">
               <a:rPr lang="en-US" smtClean="0"/>
-              <a:t>12</a:t>
+              <a:t>13</a:t>
             </a:fld>
             <a:endParaRPr lang="en-US"/>
           </a:p>
@@ -847,7 +849,7 @@
           <a:p>
             <a:fld id="{D056D186-1F61-4B1C-80AC-D3058161960E}" type="slidenum">
               <a:rPr lang="en-US" smtClean="0"/>
-              <a:t>13</a:t>
+              <a:t>14</a:t>
             </a:fld>
             <a:endParaRPr lang="en-US"/>
           </a:p>
@@ -1013,7 +1015,7 @@
           <a:p>
             <a:fld id="{19362F4A-8FD6-4466-A37B-92F78B06DF2F}" type="datetimeFigureOut">
               <a:rPr lang="en-US" smtClean="0"/>
-              <a:t>11/21/2023</a:t>
+              <a:t>11/24/2023</a:t>
             </a:fld>
             <a:endParaRPr lang="en-US"/>
           </a:p>
@@ -1211,7 +1213,7 @@
           <a:p>
             <a:fld id="{19362F4A-8FD6-4466-A37B-92F78B06DF2F}" type="datetimeFigureOut">
               <a:rPr lang="en-US" smtClean="0"/>
-              <a:t>11/21/2023</a:t>
+              <a:t>11/24/2023</a:t>
             </a:fld>
             <a:endParaRPr lang="en-US"/>
           </a:p>
@@ -1419,7 +1421,7 @@
           <a:p>
             <a:fld id="{19362F4A-8FD6-4466-A37B-92F78B06DF2F}" type="datetimeFigureOut">
               <a:rPr lang="en-US" smtClean="0"/>
-              <a:t>11/21/2023</a:t>
+              <a:t>11/24/2023</a:t>
             </a:fld>
             <a:endParaRPr lang="en-US"/>
           </a:p>
@@ -1617,7 +1619,7 @@
           <a:p>
             <a:fld id="{19362F4A-8FD6-4466-A37B-92F78B06DF2F}" type="datetimeFigureOut">
               <a:rPr lang="en-US" smtClean="0"/>
-              <a:t>11/21/2023</a:t>
+              <a:t>11/24/2023</a:t>
             </a:fld>
             <a:endParaRPr lang="en-US"/>
           </a:p>
@@ -1892,7 +1894,7 @@
           <a:p>
             <a:fld id="{19362F4A-8FD6-4466-A37B-92F78B06DF2F}" type="datetimeFigureOut">
               <a:rPr lang="en-US" smtClean="0"/>
-              <a:t>11/21/2023</a:t>
+              <a:t>11/24/2023</a:t>
             </a:fld>
             <a:endParaRPr lang="en-US"/>
           </a:p>
@@ -2157,7 +2159,7 @@
           <a:p>
             <a:fld id="{19362F4A-8FD6-4466-A37B-92F78B06DF2F}" type="datetimeFigureOut">
               <a:rPr lang="en-US" smtClean="0"/>
-              <a:t>11/21/2023</a:t>
+              <a:t>11/24/2023</a:t>
             </a:fld>
             <a:endParaRPr lang="en-US"/>
           </a:p>
@@ -2569,7 +2571,7 @@
           <a:p>
             <a:fld id="{19362F4A-8FD6-4466-A37B-92F78B06DF2F}" type="datetimeFigureOut">
               <a:rPr lang="en-US" smtClean="0"/>
-              <a:t>11/21/2023</a:t>
+              <a:t>11/24/2023</a:t>
             </a:fld>
             <a:endParaRPr lang="en-US"/>
           </a:p>
@@ -2710,7 +2712,7 @@
           <a:p>
             <a:fld id="{19362F4A-8FD6-4466-A37B-92F78B06DF2F}" type="datetimeFigureOut">
               <a:rPr lang="en-US" smtClean="0"/>
-              <a:t>11/21/2023</a:t>
+              <a:t>11/24/2023</a:t>
             </a:fld>
             <a:endParaRPr lang="en-US"/>
           </a:p>
@@ -2823,7 +2825,7 @@
           <a:p>
             <a:fld id="{19362F4A-8FD6-4466-A37B-92F78B06DF2F}" type="datetimeFigureOut">
               <a:rPr lang="en-US" smtClean="0"/>
-              <a:t>11/21/2023</a:t>
+              <a:t>11/24/2023</a:t>
             </a:fld>
             <a:endParaRPr lang="en-US"/>
           </a:p>
@@ -3134,7 +3136,7 @@
           <a:p>
             <a:fld id="{19362F4A-8FD6-4466-A37B-92F78B06DF2F}" type="datetimeFigureOut">
               <a:rPr lang="en-US" smtClean="0"/>
-              <a:t>11/21/2023</a:t>
+              <a:t>11/24/2023</a:t>
             </a:fld>
             <a:endParaRPr lang="en-US"/>
           </a:p>
@@ -3422,7 +3424,7 @@
           <a:p>
             <a:fld id="{19362F4A-8FD6-4466-A37B-92F78B06DF2F}" type="datetimeFigureOut">
               <a:rPr lang="en-US" smtClean="0"/>
-              <a:t>11/21/2023</a:t>
+              <a:t>11/24/2023</a:t>
             </a:fld>
             <a:endParaRPr lang="en-US"/>
           </a:p>
@@ -3663,7 +3665,7 @@
           <a:p>
             <a:fld id="{19362F4A-8FD6-4466-A37B-92F78B06DF2F}" type="datetimeFigureOut">
               <a:rPr lang="en-US" smtClean="0"/>
-              <a:t>11/21/2023</a:t>
+              <a:t>11/24/2023</a:t>
             </a:fld>
             <a:endParaRPr lang="en-US"/>
           </a:p>
@@ -4096,14 +4098,25 @@
             <p:ph type="ctrTitle"/>
           </p:nvPr>
         </p:nvSpPr>
-        <p:spPr/>
+        <p:spPr>
+          <a:xfrm>
+            <a:off x="658368" y="1122363"/>
+            <a:ext cx="10875264" cy="2387600"/>
+          </a:xfrm>
+        </p:spPr>
         <p:txBody>
-          <a:bodyPr/>
+          <a:bodyPr>
+            <a:normAutofit/>
+          </a:bodyPr>
           <a:lstStyle/>
           <a:p>
             <a:r>
-              <a:rPr lang="en-US" dirty="0"/>
-              <a:t>Electron dynamics in graphene junctions</a:t>
+              <a:rPr lang="en-US" sz="4000" b="1" dirty="0"/>
+              <a:t>Quantifying</a:t>
+            </a:r>
+            <a:r>
+              <a:rPr lang="en-US" sz="4000" dirty="0"/>
+              <a:t> graphene molecules’ electronic properties using their structural properties</a:t>
             </a:r>
           </a:p>
         </p:txBody>
@@ -4131,7 +4144,7 @@
           <a:p>
             <a:r>
               <a:rPr lang="en-US" dirty="0"/>
-              <a:t>Permanent-based junction characterization</a:t>
+              <a:t>Julien Leuenberger</a:t>
             </a:r>
           </a:p>
         </p:txBody>
@@ -4197,6 +4210,478 @@
 </file>
 
 <file path=ppt/slides/slide10.xml><?xml version="1.0" encoding="utf-8"?>
+<p:sld xmlns:a="http://schemas.openxmlformats.org/drawingml/2006/main" xmlns:r="http://schemas.openxmlformats.org/officeDocument/2006/relationships" xmlns:p="http://schemas.openxmlformats.org/presentationml/2006/main">
+  <p:cSld>
+    <p:spTree>
+      <p:nvGrpSpPr>
+        <p:cNvPr id="1" name=""/>
+        <p:cNvGrpSpPr/>
+        <p:nvPr/>
+      </p:nvGrpSpPr>
+      <p:grpSpPr>
+        <a:xfrm>
+          <a:off x="0" y="0"/>
+          <a:ext cx="0" cy="0"/>
+          <a:chOff x="0" y="0"/>
+          <a:chExt cx="0" cy="0"/>
+        </a:xfrm>
+      </p:grpSpPr>
+      <p:sp>
+        <p:nvSpPr>
+          <p:cNvPr id="2" name="Title 1">
+            <a:extLst>
+              <a:ext uri="{FF2B5EF4-FFF2-40B4-BE49-F238E27FC236}">
+                <a16:creationId xmlns:a16="http://schemas.microsoft.com/office/drawing/2014/main" id="{2E96E63E-5FA0-9806-7A4F-D99EBE3F28D0}"/>
+              </a:ext>
+            </a:extLst>
+          </p:cNvPr>
+          <p:cNvSpPr>
+            <a:spLocks noGrp="1"/>
+          </p:cNvSpPr>
+          <p:nvPr>
+            <p:ph type="title"/>
+          </p:nvPr>
+        </p:nvSpPr>
+        <p:spPr/>
+        <p:txBody>
+          <a:bodyPr/>
+          <a:lstStyle/>
+          <a:p>
+            <a:r>
+              <a:rPr lang="en-US" dirty="0"/>
+              <a:t>Permanent and perfect matchings</a:t>
+            </a:r>
+          </a:p>
+        </p:txBody>
+      </p:sp>
+      <p:pic>
+        <p:nvPicPr>
+          <p:cNvPr id="5" name="Picture 4">
+            <a:extLst>
+              <a:ext uri="{FF2B5EF4-FFF2-40B4-BE49-F238E27FC236}">
+                <a16:creationId xmlns:a16="http://schemas.microsoft.com/office/drawing/2014/main" id="{A59BE758-5C05-D432-4A2A-D2EAD5684654}"/>
+              </a:ext>
+            </a:extLst>
+          </p:cNvPr>
+          <p:cNvPicPr>
+            <a:picLocks noChangeAspect="1"/>
+          </p:cNvPicPr>
+          <p:nvPr/>
+        </p:nvPicPr>
+        <p:blipFill>
+          <a:blip r:embed="rId2"/>
+          <a:stretch>
+            <a:fillRect/>
+          </a:stretch>
+        </p:blipFill>
+        <p:spPr>
+          <a:xfrm>
+            <a:off x="489755" y="1690688"/>
+            <a:ext cx="11212490" cy="3858163"/>
+          </a:xfrm>
+          <a:prstGeom prst="rect">
+            <a:avLst/>
+          </a:prstGeom>
+        </p:spPr>
+      </p:pic>
+      <p:sp>
+        <p:nvSpPr>
+          <p:cNvPr id="6" name="Rectangle 5">
+            <a:extLst>
+              <a:ext uri="{FF2B5EF4-FFF2-40B4-BE49-F238E27FC236}">
+                <a16:creationId xmlns:a16="http://schemas.microsoft.com/office/drawing/2014/main" id="{24A4170D-29AE-1C47-EC52-C521667FFD49}"/>
+              </a:ext>
+            </a:extLst>
+          </p:cNvPr>
+          <p:cNvSpPr/>
+          <p:nvPr/>
+        </p:nvSpPr>
+        <p:spPr>
+          <a:xfrm>
+            <a:off x="4467225" y="4829175"/>
+            <a:ext cx="3000375" cy="719676"/>
+          </a:xfrm>
+          <a:prstGeom prst="rect">
+            <a:avLst/>
+          </a:prstGeom>
+          <a:noFill/>
+          <a:ln w="38100">
+            <a:solidFill>
+              <a:srgbClr val="FF0000"/>
+            </a:solidFill>
+          </a:ln>
+        </p:spPr>
+        <p:style>
+          <a:lnRef idx="2">
+            <a:schemeClr val="accent1">
+              <a:shade val="15000"/>
+            </a:schemeClr>
+          </a:lnRef>
+          <a:fillRef idx="1">
+            <a:schemeClr val="accent1"/>
+          </a:fillRef>
+          <a:effectRef idx="0">
+            <a:schemeClr val="accent1"/>
+          </a:effectRef>
+          <a:fontRef idx="minor">
+            <a:schemeClr val="lt1"/>
+          </a:fontRef>
+        </p:style>
+        <p:txBody>
+          <a:bodyPr rtlCol="0" anchor="ctr"/>
+          <a:lstStyle/>
+          <a:p>
+            <a:pPr algn="ctr"/>
+            <a:endParaRPr lang="en-US"/>
+          </a:p>
+        </p:txBody>
+      </p:sp>
+      <p:sp>
+        <p:nvSpPr>
+          <p:cNvPr id="7" name="Content Placeholder 2">
+            <a:extLst>
+              <a:ext uri="{FF2B5EF4-FFF2-40B4-BE49-F238E27FC236}">
+                <a16:creationId xmlns:a16="http://schemas.microsoft.com/office/drawing/2014/main" id="{61994A8E-DF6C-646C-CDB8-73A24AE62249}"/>
+              </a:ext>
+            </a:extLst>
+          </p:cNvPr>
+          <p:cNvSpPr txBox="1">
+            <a:spLocks/>
+          </p:cNvSpPr>
+          <p:nvPr/>
+        </p:nvSpPr>
+        <p:spPr>
+          <a:xfrm>
+            <a:off x="6867526" y="5845175"/>
+            <a:ext cx="4834720" cy="536575"/>
+          </a:xfrm>
+          <a:prstGeom prst="rect">
+            <a:avLst/>
+          </a:prstGeom>
+        </p:spPr>
+        <p:txBody>
+          <a:bodyPr vert="horz" lIns="91440" tIns="45720" rIns="91440" bIns="45720" rtlCol="0">
+            <a:normAutofit/>
+          </a:bodyPr>
+          <a:lstStyle>
+            <a:lvl1pPr marL="228600" indent="-228600" algn="l" defTabSz="914400" rtl="0" eaLnBrk="1" latinLnBrk="0" hangingPunct="1">
+              <a:lnSpc>
+                <a:spcPct val="90000"/>
+              </a:lnSpc>
+              <a:spcBef>
+                <a:spcPts val="1000"/>
+              </a:spcBef>
+              <a:buFont typeface="Arial" panose="020B0604020202020204" pitchFamily="34" charset="0"/>
+              <a:buChar char="•"/>
+              <a:defRPr sz="2800" kern="1200">
+                <a:solidFill>
+                  <a:schemeClr val="tx1"/>
+                </a:solidFill>
+                <a:latin typeface="+mn-lt"/>
+                <a:ea typeface="+mn-ea"/>
+                <a:cs typeface="+mn-cs"/>
+              </a:defRPr>
+            </a:lvl1pPr>
+            <a:lvl2pPr marL="685800" indent="-228600" algn="l" defTabSz="914400" rtl="0" eaLnBrk="1" latinLnBrk="0" hangingPunct="1">
+              <a:lnSpc>
+                <a:spcPct val="90000"/>
+              </a:lnSpc>
+              <a:spcBef>
+                <a:spcPts val="500"/>
+              </a:spcBef>
+              <a:buFont typeface="Arial" panose="020B0604020202020204" pitchFamily="34" charset="0"/>
+              <a:buChar char="•"/>
+              <a:defRPr sz="2400" kern="1200">
+                <a:solidFill>
+                  <a:schemeClr val="tx1"/>
+                </a:solidFill>
+                <a:latin typeface="+mn-lt"/>
+                <a:ea typeface="+mn-ea"/>
+                <a:cs typeface="+mn-cs"/>
+              </a:defRPr>
+            </a:lvl2pPr>
+            <a:lvl3pPr marL="1143000" indent="-228600" algn="l" defTabSz="914400" rtl="0" eaLnBrk="1" latinLnBrk="0" hangingPunct="1">
+              <a:lnSpc>
+                <a:spcPct val="90000"/>
+              </a:lnSpc>
+              <a:spcBef>
+                <a:spcPts val="500"/>
+              </a:spcBef>
+              <a:buFont typeface="Arial" panose="020B0604020202020204" pitchFamily="34" charset="0"/>
+              <a:buChar char="•"/>
+              <a:defRPr sz="2000" kern="1200">
+                <a:solidFill>
+                  <a:schemeClr val="tx1"/>
+                </a:solidFill>
+                <a:latin typeface="+mn-lt"/>
+                <a:ea typeface="+mn-ea"/>
+                <a:cs typeface="+mn-cs"/>
+              </a:defRPr>
+            </a:lvl3pPr>
+            <a:lvl4pPr marL="1600200" indent="-228600" algn="l" defTabSz="914400" rtl="0" eaLnBrk="1" latinLnBrk="0" hangingPunct="1">
+              <a:lnSpc>
+                <a:spcPct val="90000"/>
+              </a:lnSpc>
+              <a:spcBef>
+                <a:spcPts val="500"/>
+              </a:spcBef>
+              <a:buFont typeface="Arial" panose="020B0604020202020204" pitchFamily="34" charset="0"/>
+              <a:buChar char="•"/>
+              <a:defRPr sz="1800" kern="1200">
+                <a:solidFill>
+                  <a:schemeClr val="tx1"/>
+                </a:solidFill>
+                <a:latin typeface="+mn-lt"/>
+                <a:ea typeface="+mn-ea"/>
+                <a:cs typeface="+mn-cs"/>
+              </a:defRPr>
+            </a:lvl4pPr>
+            <a:lvl5pPr marL="2057400" indent="-228600" algn="l" defTabSz="914400" rtl="0" eaLnBrk="1" latinLnBrk="0" hangingPunct="1">
+              <a:lnSpc>
+                <a:spcPct val="90000"/>
+              </a:lnSpc>
+              <a:spcBef>
+                <a:spcPts val="500"/>
+              </a:spcBef>
+              <a:buFont typeface="Arial" panose="020B0604020202020204" pitchFamily="34" charset="0"/>
+              <a:buChar char="•"/>
+              <a:defRPr sz="1800" kern="1200">
+                <a:solidFill>
+                  <a:schemeClr val="tx1"/>
+                </a:solidFill>
+                <a:latin typeface="+mn-lt"/>
+                <a:ea typeface="+mn-ea"/>
+                <a:cs typeface="+mn-cs"/>
+              </a:defRPr>
+            </a:lvl5pPr>
+            <a:lvl6pPr marL="2514600" indent="-228600" algn="l" defTabSz="914400" rtl="0" eaLnBrk="1" latinLnBrk="0" hangingPunct="1">
+              <a:lnSpc>
+                <a:spcPct val="90000"/>
+              </a:lnSpc>
+              <a:spcBef>
+                <a:spcPts val="500"/>
+              </a:spcBef>
+              <a:buFont typeface="Arial" panose="020B0604020202020204" pitchFamily="34" charset="0"/>
+              <a:buChar char="•"/>
+              <a:defRPr sz="1800" kern="1200">
+                <a:solidFill>
+                  <a:schemeClr val="tx1"/>
+                </a:solidFill>
+                <a:latin typeface="+mn-lt"/>
+                <a:ea typeface="+mn-ea"/>
+                <a:cs typeface="+mn-cs"/>
+              </a:defRPr>
+            </a:lvl6pPr>
+            <a:lvl7pPr marL="2971800" indent="-228600" algn="l" defTabSz="914400" rtl="0" eaLnBrk="1" latinLnBrk="0" hangingPunct="1">
+              <a:lnSpc>
+                <a:spcPct val="90000"/>
+              </a:lnSpc>
+              <a:spcBef>
+                <a:spcPts val="500"/>
+              </a:spcBef>
+              <a:buFont typeface="Arial" panose="020B0604020202020204" pitchFamily="34" charset="0"/>
+              <a:buChar char="•"/>
+              <a:defRPr sz="1800" kern="1200">
+                <a:solidFill>
+                  <a:schemeClr val="tx1"/>
+                </a:solidFill>
+                <a:latin typeface="+mn-lt"/>
+                <a:ea typeface="+mn-ea"/>
+                <a:cs typeface="+mn-cs"/>
+              </a:defRPr>
+            </a:lvl7pPr>
+            <a:lvl8pPr marL="3429000" indent="-228600" algn="l" defTabSz="914400" rtl="0" eaLnBrk="1" latinLnBrk="0" hangingPunct="1">
+              <a:lnSpc>
+                <a:spcPct val="90000"/>
+              </a:lnSpc>
+              <a:spcBef>
+                <a:spcPts val="500"/>
+              </a:spcBef>
+              <a:buFont typeface="Arial" panose="020B0604020202020204" pitchFamily="34" charset="0"/>
+              <a:buChar char="•"/>
+              <a:defRPr sz="1800" kern="1200">
+                <a:solidFill>
+                  <a:schemeClr val="tx1"/>
+                </a:solidFill>
+                <a:latin typeface="+mn-lt"/>
+                <a:ea typeface="+mn-ea"/>
+                <a:cs typeface="+mn-cs"/>
+              </a:defRPr>
+            </a:lvl8pPr>
+            <a:lvl9pPr marL="3886200" indent="-228600" algn="l" defTabSz="914400" rtl="0" eaLnBrk="1" latinLnBrk="0" hangingPunct="1">
+              <a:lnSpc>
+                <a:spcPct val="90000"/>
+              </a:lnSpc>
+              <a:spcBef>
+                <a:spcPts val="500"/>
+              </a:spcBef>
+              <a:buFont typeface="Arial" panose="020B0604020202020204" pitchFamily="34" charset="0"/>
+              <a:buChar char="•"/>
+              <a:defRPr sz="1800" kern="1200">
+                <a:solidFill>
+                  <a:schemeClr val="tx1"/>
+                </a:solidFill>
+                <a:latin typeface="+mn-lt"/>
+                <a:ea typeface="+mn-ea"/>
+                <a:cs typeface="+mn-cs"/>
+              </a:defRPr>
+            </a:lvl9pPr>
+          </a:lstStyle>
+          <a:p>
+            <a:pPr marL="0" indent="0" algn="r">
+              <a:buNone/>
+            </a:pPr>
+            <a:r>
+              <a:rPr lang="en-US" sz="1400" i="1" dirty="0"/>
+              <a:t>Source: </a:t>
+            </a:r>
+            <a:r>
+              <a:rPr lang="en-US" sz="1400" i="1" dirty="0" err="1"/>
+              <a:t>Sereni</a:t>
+            </a:r>
+            <a:r>
+              <a:rPr lang="en-US" sz="1400" i="1" dirty="0"/>
+              <a:t> J.-S., M. </a:t>
+            </a:r>
+            <a:r>
+              <a:rPr lang="en-US" sz="1400" i="1" dirty="0" err="1"/>
+              <a:t>Loebl</a:t>
+            </a:r>
+            <a:r>
+              <a:rPr lang="en-US" sz="1400" i="1" dirty="0"/>
+              <a:t>, </a:t>
+            </a:r>
+            <a:r>
+              <a:rPr lang="en-US" sz="1400" i="1" dirty="0" err="1"/>
+              <a:t>Univerzita</a:t>
+            </a:r>
+            <a:r>
+              <a:rPr lang="en-US" sz="1400" i="1" dirty="0"/>
+              <a:t> </a:t>
+            </a:r>
+            <a:r>
+              <a:rPr lang="en-US" sz="1400" i="1" dirty="0" err="1"/>
+              <a:t>Karlova</a:t>
+            </a:r>
+            <a:endParaRPr lang="en-US" i="1" dirty="0"/>
+          </a:p>
+        </p:txBody>
+      </p:sp>
+      <p:sp>
+        <p:nvSpPr>
+          <p:cNvPr id="8" name="Rectangle 7">
+            <a:extLst>
+              <a:ext uri="{FF2B5EF4-FFF2-40B4-BE49-F238E27FC236}">
+                <a16:creationId xmlns:a16="http://schemas.microsoft.com/office/drawing/2014/main" id="{D589656D-76B8-C89F-1208-6FD909E341FF}"/>
+              </a:ext>
+            </a:extLst>
+          </p:cNvPr>
+          <p:cNvSpPr/>
+          <p:nvPr/>
+        </p:nvSpPr>
+        <p:spPr>
+          <a:xfrm>
+            <a:off x="1762126" y="3305175"/>
+            <a:ext cx="2057400" cy="400050"/>
+          </a:xfrm>
+          <a:prstGeom prst="rect">
+            <a:avLst/>
+          </a:prstGeom>
+          <a:solidFill>
+            <a:srgbClr val="FFFF00">
+              <a:alpha val="24000"/>
+            </a:srgbClr>
+          </a:solidFill>
+          <a:ln>
+            <a:noFill/>
+          </a:ln>
+        </p:spPr>
+        <p:style>
+          <a:lnRef idx="2">
+            <a:schemeClr val="accent1">
+              <a:shade val="15000"/>
+            </a:schemeClr>
+          </a:lnRef>
+          <a:fillRef idx="1">
+            <a:schemeClr val="accent1"/>
+          </a:fillRef>
+          <a:effectRef idx="0">
+            <a:schemeClr val="accent1"/>
+          </a:effectRef>
+          <a:fontRef idx="minor">
+            <a:schemeClr val="lt1"/>
+          </a:fontRef>
+        </p:style>
+        <p:txBody>
+          <a:bodyPr rtlCol="0" anchor="ctr"/>
+          <a:lstStyle/>
+          <a:p>
+            <a:pPr algn="ctr"/>
+            <a:endParaRPr lang="en-US" dirty="0"/>
+          </a:p>
+        </p:txBody>
+      </p:sp>
+      <p:pic>
+        <p:nvPicPr>
+          <p:cNvPr id="10" name="Picture 2" descr="Identité ‒ Présentation ‐ EPFL">
+            <a:extLst>
+              <a:ext uri="{FF2B5EF4-FFF2-40B4-BE49-F238E27FC236}">
+                <a16:creationId xmlns:a16="http://schemas.microsoft.com/office/drawing/2014/main" id="{1F229520-820D-B4E7-9F1E-AAFC68EA56C5}"/>
+              </a:ext>
+            </a:extLst>
+          </p:cNvPr>
+          <p:cNvPicPr>
+            <a:picLocks noChangeAspect="1" noChangeArrowheads="1"/>
+          </p:cNvPicPr>
+          <p:nvPr/>
+        </p:nvPicPr>
+        <p:blipFill>
+          <a:blip r:embed="rId3">
+            <a:extLst>
+              <a:ext uri="{28A0092B-C50C-407E-A947-70E740481C1C}">
+                <a14:useLocalDpi xmlns:a14="http://schemas.microsoft.com/office/drawing/2010/main" val="0"/>
+              </a:ext>
+            </a:extLst>
+          </a:blip>
+          <a:srcRect/>
+          <a:stretch>
+            <a:fillRect/>
+          </a:stretch>
+        </p:blipFill>
+        <p:spPr bwMode="auto">
+          <a:xfrm>
+            <a:off x="10172700" y="0"/>
+            <a:ext cx="2019300" cy="1135856"/>
+          </a:xfrm>
+          <a:prstGeom prst="rect">
+            <a:avLst/>
+          </a:prstGeom>
+          <a:noFill/>
+          <a:extLst>
+            <a:ext uri="{909E8E84-426E-40DD-AFC4-6F175D3DCCD1}">
+              <a14:hiddenFill xmlns:a14="http://schemas.microsoft.com/office/drawing/2010/main">
+                <a:solidFill>
+                  <a:srgbClr val="FFFFFF"/>
+                </a:solidFill>
+              </a14:hiddenFill>
+            </a:ext>
+          </a:extLst>
+        </p:spPr>
+      </p:pic>
+    </p:spTree>
+    <p:extLst>
+      <p:ext uri="{BB962C8B-B14F-4D97-AF65-F5344CB8AC3E}">
+        <p14:creationId xmlns:p14="http://schemas.microsoft.com/office/powerpoint/2010/main" val="2539228577"/>
+      </p:ext>
+    </p:extLst>
+  </p:cSld>
+  <p:clrMapOvr>
+    <a:masterClrMapping/>
+  </p:clrMapOvr>
+</p:sld>
+</file>
+
+<file path=ppt/slides/slide11.xml><?xml version="1.0" encoding="utf-8"?>
 <p:sld xmlns:a="http://schemas.openxmlformats.org/drawingml/2006/main" xmlns:r="http://schemas.openxmlformats.org/officeDocument/2006/relationships" xmlns:p="http://schemas.openxmlformats.org/presentationml/2006/main">
   <p:cSld>
     <p:spTree>
@@ -8462,7 +8947,7 @@
 </p:sld>
 </file>
 
-<file path=ppt/slides/slide11.xml><?xml version="1.0" encoding="utf-8"?>
+<file path=ppt/slides/slide12.xml><?xml version="1.0" encoding="utf-8"?>
 <p:sld xmlns:a="http://schemas.openxmlformats.org/drawingml/2006/main" xmlns:r="http://schemas.openxmlformats.org/officeDocument/2006/relationships" xmlns:p="http://schemas.openxmlformats.org/presentationml/2006/main">
   <p:cSld>
     <p:spTree>
@@ -9637,7 +10122,7 @@
 </p:sld>
 </file>
 
-<file path=ppt/slides/slide12.xml><?xml version="1.0" encoding="utf-8"?>
+<file path=ppt/slides/slide13.xml><?xml version="1.0" encoding="utf-8"?>
 <p:sld xmlns:a="http://schemas.openxmlformats.org/drawingml/2006/main" xmlns:r="http://schemas.openxmlformats.org/officeDocument/2006/relationships" xmlns:p="http://schemas.openxmlformats.org/presentationml/2006/main">
   <p:cSld>
     <p:spTree>
@@ -11338,7 +11823,7 @@
 </p:sld>
 </file>
 
-<file path=ppt/slides/slide13.xml><?xml version="1.0" encoding="utf-8"?>
+<file path=ppt/slides/slide14.xml><?xml version="1.0" encoding="utf-8"?>
 <p:sld xmlns:a="http://schemas.openxmlformats.org/drawingml/2006/main" xmlns:r="http://schemas.openxmlformats.org/officeDocument/2006/relationships" xmlns:p="http://schemas.openxmlformats.org/presentationml/2006/main">
   <p:cSld>
     <p:spTree>
@@ -12752,7 +13237,7 @@
 </p:sld>
 </file>
 
-<file path=ppt/slides/slide14.xml><?xml version="1.0" encoding="utf-8"?>
+<file path=ppt/slides/slide15.xml><?xml version="1.0" encoding="utf-8"?>
 <p:sld xmlns:a="http://schemas.openxmlformats.org/drawingml/2006/main" xmlns:r="http://schemas.openxmlformats.org/officeDocument/2006/relationships" xmlns:p="http://schemas.openxmlformats.org/presentationml/2006/main">
   <p:cSld>
     <p:spTree>
@@ -12903,6 +13388,26 @@
         <p:txBody>
           <a:bodyPr/>
           <a:lstStyle/>
+          <a:p>
+            <a:r>
+              <a:rPr lang="en-US" dirty="0"/>
+              <a:t>What we know</a:t>
+            </a:r>
+          </a:p>
+          <a:p>
+            <a:pPr lvl="1"/>
+            <a:r>
+              <a:rPr lang="en-US" dirty="0"/>
+              <a:t>Pairing theorem</a:t>
+            </a:r>
+          </a:p>
+          <a:p>
+            <a:pPr lvl="1"/>
+            <a:r>
+              <a:rPr lang="en-US" dirty="0"/>
+              <a:t>Graphical model</a:t>
+            </a:r>
+          </a:p>
           <a:p>
             <a:r>
               <a:rPr lang="en-US" dirty="0"/>
@@ -18522,7 +19027,18 @@
           <a:bodyPr/>
           <a:lstStyle/>
           <a:p>
-            <a:endParaRPr lang="en-US" dirty="0"/>
+            <a:r>
+              <a:rPr lang="en-US" dirty="0"/>
+              <a:t>Depending on which atoms the leads are connected to</a:t>
+            </a:r>
+            <a:r>
+              <a:rPr lang="en-US"/>
+              <a:t>, there </a:t>
+            </a:r>
+            <a:r>
+              <a:rPr lang="en-US" dirty="0"/>
+              <a:t>might be constructive or destructive quantum interferences.</a:t>
+            </a:r>
           </a:p>
         </p:txBody>
       </p:sp>
@@ -18554,36 +19070,6 @@
           </a:p>
         </p:txBody>
       </p:sp>
-      <p:pic>
-        <p:nvPicPr>
-          <p:cNvPr id="5" name="Picture 4">
-            <a:extLst>
-              <a:ext uri="{FF2B5EF4-FFF2-40B4-BE49-F238E27FC236}">
-                <a16:creationId xmlns:a16="http://schemas.microsoft.com/office/drawing/2014/main" id="{79DB36D5-3AC1-3F90-59AF-CF0878E9115E}"/>
-              </a:ext>
-            </a:extLst>
-          </p:cNvPr>
-          <p:cNvPicPr>
-            <a:picLocks noChangeAspect="1"/>
-          </p:cNvPicPr>
-          <p:nvPr/>
-        </p:nvPicPr>
-        <p:blipFill>
-          <a:blip r:embed="rId2"/>
-          <a:stretch>
-            <a:fillRect/>
-          </a:stretch>
-        </p:blipFill>
-        <p:spPr>
-          <a:xfrm>
-            <a:off x="5578932" y="1527101"/>
-            <a:ext cx="6173061" cy="1057423"/>
-          </a:xfrm>
-          <a:prstGeom prst="rect">
-            <a:avLst/>
-          </a:prstGeom>
-        </p:spPr>
-      </p:pic>
       <p:sp>
         <p:nvSpPr>
           <p:cNvPr id="15" name="Content Placeholder 2">
@@ -18818,7 +19304,7 @@
           <p:nvPr/>
         </p:nvPicPr>
         <p:blipFill>
-          <a:blip r:embed="rId3">
+          <a:blip r:embed="rId2">
             <a:extLst>
               <a:ext uri="{28A0092B-C50C-407E-A947-70E740481C1C}">
                 <a14:useLocalDpi xmlns:a14="http://schemas.microsoft.com/office/drawing/2010/main" val="0"/>
@@ -18860,84 +19346,6 @@
   <p:clrMapOvr>
     <a:masterClrMapping/>
   </p:clrMapOvr>
-  <p:timing>
-    <p:tnLst>
-      <p:par>
-        <p:cTn id="1" dur="indefinite" restart="never" nodeType="tmRoot">
-          <p:childTnLst>
-            <p:seq concurrent="1" nextAc="seek">
-              <p:cTn id="2" dur="indefinite" nodeType="mainSeq">
-                <p:childTnLst>
-                  <p:par>
-                    <p:cTn id="3" fill="hold">
-                      <p:stCondLst>
-                        <p:cond delay="indefinite"/>
-                        <p:cond evt="onBegin" delay="0">
-                          <p:tn val="2"/>
-                        </p:cond>
-                      </p:stCondLst>
-                      <p:childTnLst>
-                        <p:par>
-                          <p:cTn id="4" fill="hold">
-                            <p:stCondLst>
-                              <p:cond delay="0"/>
-                            </p:stCondLst>
-                            <p:childTnLst>
-                              <p:par>
-                                <p:cTn id="5" presetID="1" presetClass="entr" presetSubtype="0" fill="hold" nodeType="withEffect">
-                                  <p:stCondLst>
-                                    <p:cond delay="0"/>
-                                  </p:stCondLst>
-                                  <p:childTnLst>
-                                    <p:set>
-                                      <p:cBhvr>
-                                        <p:cTn id="6" dur="1" fill="hold">
-                                          <p:stCondLst>
-                                            <p:cond delay="0"/>
-                                          </p:stCondLst>
-                                        </p:cTn>
-                                        <p:tgtEl>
-                                          <p:spTgt spid="5"/>
-                                        </p:tgtEl>
-                                        <p:attrNameLst>
-                                          <p:attrName>style.visibility</p:attrName>
-                                        </p:attrNameLst>
-                                      </p:cBhvr>
-                                      <p:to>
-                                        <p:strVal val="visible"/>
-                                      </p:to>
-                                    </p:set>
-                                  </p:childTnLst>
-                                </p:cTn>
-                              </p:par>
-                            </p:childTnLst>
-                          </p:cTn>
-                        </p:par>
-                      </p:childTnLst>
-                    </p:cTn>
-                  </p:par>
-                </p:childTnLst>
-              </p:cTn>
-              <p:prevCondLst>
-                <p:cond evt="onPrev" delay="0">
-                  <p:tgtEl>
-                    <p:sldTgt/>
-                  </p:tgtEl>
-                </p:cond>
-              </p:prevCondLst>
-              <p:nextCondLst>
-                <p:cond evt="onNext" delay="0">
-                  <p:tgtEl>
-                    <p:sldTgt/>
-                  </p:tgtEl>
-                </p:cond>
-              </p:nextCondLst>
-            </p:seq>
-          </p:childTnLst>
-        </p:cTn>
-      </p:par>
-    </p:tnLst>
-  </p:timing>
 </p:sld>
 </file>
 
@@ -18958,52 +19366,78 @@
           <a:chExt cx="0" cy="0"/>
         </a:xfrm>
       </p:grpSpPr>
-      <p:sp>
-        <p:nvSpPr>
-          <p:cNvPr id="13" name="Content Placeholder 2">
+      <p:pic>
+        <p:nvPicPr>
+          <p:cNvPr id="5" name="Picture 4">
             <a:extLst>
               <a:ext uri="{FF2B5EF4-FFF2-40B4-BE49-F238E27FC236}">
-                <a16:creationId xmlns:a16="http://schemas.microsoft.com/office/drawing/2014/main" id="{D1EE1F3A-67CF-1396-4895-DD04ED2931EC}"/>
+                <a16:creationId xmlns:a16="http://schemas.microsoft.com/office/drawing/2014/main" id="{D832BEA3-D966-DF56-1C66-B6B20BF3E4CB}"/>
               </a:ext>
             </a:extLst>
           </p:cNvPr>
-          <p:cNvSpPr>
-            <a:spLocks noGrp="1"/>
-          </p:cNvSpPr>
-          <p:nvPr>
-            <p:ph idx="1"/>
-          </p:nvPr>
-        </p:nvSpPr>
+          <p:cNvPicPr>
+            <a:picLocks noChangeAspect="1"/>
+          </p:cNvPicPr>
+          <p:nvPr/>
+        </p:nvPicPr>
+        <p:blipFill rotWithShape="1">
+          <a:blip r:embed="rId2"/>
+          <a:srcRect b="24267"/>
+          <a:stretch/>
+        </p:blipFill>
         <p:spPr>
           <a:xfrm>
-            <a:off x="838200" y="1825625"/>
-            <a:ext cx="10515600" cy="4351338"/>
+            <a:off x="2082652" y="411589"/>
+            <a:ext cx="8026696" cy="6446411"/>
           </a:xfrm>
+          <a:prstGeom prst="rect">
+            <a:avLst/>
+          </a:prstGeom>
+          <a:effectLst>
+            <a:outerShdw blurRad="482600" sx="102000" sy="102000" algn="ctr" rotWithShape="0">
+              <a:prstClr val="black">
+                <a:alpha val="18000"/>
+              </a:prstClr>
+            </a:outerShdw>
+          </a:effectLst>
         </p:spPr>
-        <p:txBody>
-          <a:bodyPr/>
-          <a:lstStyle/>
-          <a:p>
-            <a:pPr marL="0" indent="0">
-              <a:buNone/>
-            </a:pPr>
-            <a:r>
-              <a:rPr lang="en-US" dirty="0">
-                <a:solidFill>
-                  <a:srgbClr val="FF0000"/>
-                </a:solidFill>
-              </a:rPr>
-              <a:t>“The general conclusion from the pairing theorem is (...) that DQI will always occur (…) </a:t>
-            </a:r>
-          </a:p>
-        </p:txBody>
-      </p:sp>
+      </p:pic>
+    </p:spTree>
+    <p:extLst>
+      <p:ext uri="{BB962C8B-B14F-4D97-AF65-F5344CB8AC3E}">
+        <p14:creationId xmlns:p14="http://schemas.microsoft.com/office/powerpoint/2010/main" val="3677411950"/>
+      </p:ext>
+    </p:extLst>
+  </p:cSld>
+  <p:clrMapOvr>
+    <a:masterClrMapping/>
+  </p:clrMapOvr>
+</p:sld>
+</file>
+
+<file path=ppt/slides/slide7.xml><?xml version="1.0" encoding="utf-8"?>
+<p:sld xmlns:a="http://schemas.openxmlformats.org/drawingml/2006/main" xmlns:r="http://schemas.openxmlformats.org/officeDocument/2006/relationships" xmlns:p="http://schemas.openxmlformats.org/presentationml/2006/main">
+  <p:cSld>
+    <p:spTree>
+      <p:nvGrpSpPr>
+        <p:cNvPr id="1" name=""/>
+        <p:cNvGrpSpPr/>
+        <p:nvPr/>
+      </p:nvGrpSpPr>
+      <p:grpSpPr>
+        <a:xfrm>
+          <a:off x="0" y="0"/>
+          <a:ext cx="0" cy="0"/>
+          <a:chOff x="0" y="0"/>
+          <a:chExt cx="0" cy="0"/>
+        </a:xfrm>
+      </p:grpSpPr>
       <p:sp>
         <p:nvSpPr>
           <p:cNvPr id="2" name="Title 1">
             <a:extLst>
               <a:ext uri="{FF2B5EF4-FFF2-40B4-BE49-F238E27FC236}">
-                <a16:creationId xmlns:a16="http://schemas.microsoft.com/office/drawing/2014/main" id="{1D9E3D0E-98D1-A3EA-AE07-495CB10C0FE9}"/>
+                <a16:creationId xmlns:a16="http://schemas.microsoft.com/office/drawing/2014/main" id="{74316FF7-49D8-7799-E429-EFBE739C8129}"/>
               </a:ext>
             </a:extLst>
           </p:cNvPr>
@@ -19021,17 +19455,17 @@
           <a:p>
             <a:r>
               <a:rPr lang="en-US" dirty="0"/>
-              <a:t>Pairing theorem</a:t>
+              <a:t>Graphical rules</a:t>
             </a:r>
           </a:p>
         </p:txBody>
       </p:sp>
       <p:sp>
         <p:nvSpPr>
-          <p:cNvPr id="3" name="Content Placeholder 2">
+          <p:cNvPr id="8" name="Content Placeholder 2">
             <a:extLst>
               <a:ext uri="{FF2B5EF4-FFF2-40B4-BE49-F238E27FC236}">
-                <a16:creationId xmlns:a16="http://schemas.microsoft.com/office/drawing/2014/main" id="{9FB805C4-317D-098E-B6C4-210002FA4621}"/>
+                <a16:creationId xmlns:a16="http://schemas.microsoft.com/office/drawing/2014/main" id="{9B0D4003-7DF5-5112-CB3F-FB42ADAE4B0B}"/>
               </a:ext>
             </a:extLst>
           </p:cNvPr>
@@ -19043,7 +19477,7 @@
         <p:spPr>
           <a:xfrm>
             <a:off x="921588" y="1274689"/>
-            <a:ext cx="9601509" cy="342948"/>
+            <a:ext cx="9601509" cy="720366"/>
           </a:xfrm>
           <a:prstGeom prst="rect">
             <a:avLst/>
@@ -19224,78 +19658,106 @@
             </a:pPr>
             <a:r>
               <a:rPr lang="en-US" sz="1400" dirty="0"/>
-              <a:t>X. Zhao, V. </a:t>
+              <a:t>K. G. L. Pedersen </a:t>
+            </a:r>
+            <a:r>
+              <a:rPr lang="en-US" sz="1400" i="1" dirty="0"/>
+              <a:t>et al.</a:t>
+            </a:r>
+            <a:r>
+              <a:rPr lang="en-US" sz="1400" dirty="0"/>
+              <a:t>, The Journal o </a:t>
             </a:r>
             <a:r>
               <a:rPr lang="en-US" sz="1400" dirty="0" err="1"/>
-              <a:t>Geskin</a:t>
+              <a:t>fphysical</a:t>
+            </a:r>
+            <a:endParaRPr lang="en-US" sz="1400" dirty="0"/>
+          </a:p>
+          <a:p>
+            <a:pPr marL="0" indent="0">
+              <a:buFont typeface="Arial" panose="020B0604020202020204" pitchFamily="34" charset="0"/>
+              <a:buNone/>
+            </a:pPr>
+            <a:r>
+              <a:rPr lang="en-US" sz="1400" dirty="0"/>
+              <a:t>chemistry </a:t>
+            </a:r>
+            <a:r>
+              <a:rPr lang="en-US" sz="1400" b="1" dirty="0"/>
+              <a:t>26919</a:t>
             </a:r>
             <a:r>
               <a:rPr lang="en-US" sz="1400" dirty="0"/>
-              <a:t>, R. Stadler, The Journal of chemical physics </a:t>
-            </a:r>
-            <a:r>
-              <a:rPr lang="en-US" sz="1400" b="1" dirty="0"/>
-              <a:t>146</a:t>
-            </a:r>
-            <a:r>
-              <a:rPr lang="en-US" sz="1400" dirty="0"/>
-              <a:t> (2016)</a:t>
+              <a:t> (2015)</a:t>
             </a:r>
           </a:p>
         </p:txBody>
       </p:sp>
       <p:pic>
         <p:nvPicPr>
-          <p:cNvPr id="4" name="Picture 2" descr="Identité ‒ Présentation ‐ EPFL">
+          <p:cNvPr id="15" name="Picture 14">
             <a:extLst>
               <a:ext uri="{FF2B5EF4-FFF2-40B4-BE49-F238E27FC236}">
-                <a16:creationId xmlns:a16="http://schemas.microsoft.com/office/drawing/2014/main" id="{D550046C-9A01-199D-D696-3E9CA09D156D}"/>
+                <a16:creationId xmlns:a16="http://schemas.microsoft.com/office/drawing/2014/main" id="{85B58E4B-5D4D-6377-0DE5-C7A053040349}"/>
               </a:ext>
             </a:extLst>
           </p:cNvPr>
           <p:cNvPicPr>
-            <a:picLocks noChangeAspect="1" noChangeArrowheads="1"/>
+            <a:picLocks noChangeAspect="1"/>
           </p:cNvPicPr>
           <p:nvPr/>
         </p:nvPicPr>
         <p:blipFill>
-          <a:blip r:embed="rId2">
-            <a:extLst>
-              <a:ext uri="{28A0092B-C50C-407E-A947-70E740481C1C}">
-                <a14:useLocalDpi xmlns:a14="http://schemas.microsoft.com/office/drawing/2010/main" val="0"/>
-              </a:ext>
-            </a:extLst>
-          </a:blip>
-          <a:srcRect/>
+          <a:blip r:embed="rId2"/>
           <a:stretch>
             <a:fillRect/>
           </a:stretch>
         </p:blipFill>
-        <p:spPr bwMode="auto">
+        <p:spPr>
           <a:xfrm>
-            <a:off x="10172700" y="0"/>
-            <a:ext cx="2019300" cy="1135856"/>
+            <a:off x="921588" y="2070722"/>
+            <a:ext cx="6255068" cy="4082541"/>
           </a:xfrm>
           <a:prstGeom prst="rect">
             <a:avLst/>
           </a:prstGeom>
-          <a:noFill/>
-          <a:extLst>
-            <a:ext uri="{909E8E84-426E-40DD-AFC4-6F175D3DCCD1}">
-              <a14:hiddenFill xmlns:a14="http://schemas.microsoft.com/office/drawing/2010/main">
-                <a:solidFill>
-                  <a:srgbClr val="FFFFFF"/>
-                </a:solidFill>
-              </a14:hiddenFill>
-            </a:ext>
-          </a:extLst>
+        </p:spPr>
+      </p:pic>
+      <p:pic>
+        <p:nvPicPr>
+          <p:cNvPr id="21" name="Picture 20">
+            <a:extLst>
+              <a:ext uri="{FF2B5EF4-FFF2-40B4-BE49-F238E27FC236}">
+                <a16:creationId xmlns:a16="http://schemas.microsoft.com/office/drawing/2014/main" id="{33FE7211-A2D7-AC4C-69CC-511A225F1DFC}"/>
+              </a:ext>
+            </a:extLst>
+          </p:cNvPr>
+          <p:cNvPicPr>
+            <a:picLocks noChangeAspect="1"/>
+          </p:cNvPicPr>
+          <p:nvPr/>
+        </p:nvPicPr>
+        <p:blipFill>
+          <a:blip r:embed="rId3"/>
+          <a:stretch>
+            <a:fillRect/>
+          </a:stretch>
+        </p:blipFill>
+        <p:spPr>
+          <a:xfrm>
+            <a:off x="5585423" y="198733"/>
+            <a:ext cx="6364742" cy="1814447"/>
+          </a:xfrm>
+          <a:prstGeom prst="rect">
+            <a:avLst/>
+          </a:prstGeom>
         </p:spPr>
       </p:pic>
     </p:spTree>
     <p:extLst>
       <p:ext uri="{BB962C8B-B14F-4D97-AF65-F5344CB8AC3E}">
-        <p14:creationId xmlns:p14="http://schemas.microsoft.com/office/powerpoint/2010/main" val="706815836"/>
+        <p14:creationId xmlns:p14="http://schemas.microsoft.com/office/powerpoint/2010/main" val="61747455"/>
       </p:ext>
     </p:extLst>
   </p:cSld>
@@ -19305,7 +19767,7 @@
 </p:sld>
 </file>
 
-<file path=ppt/slides/slide7.xml><?xml version="1.0" encoding="utf-8"?>
+<file path=ppt/slides/slide8.xml><?xml version="1.0" encoding="utf-8"?>
 <p:sld xmlns:a="http://schemas.openxmlformats.org/drawingml/2006/main" xmlns:r="http://schemas.openxmlformats.org/officeDocument/2006/relationships" xmlns:p="http://schemas.openxmlformats.org/presentationml/2006/main">
   <p:cSld>
     <p:spTree>
@@ -19555,7 +20017,7 @@
 </p:sld>
 </file>
 
-<file path=ppt/slides/slide8.xml><?xml version="1.0" encoding="utf-8"?>
+<file path=ppt/slides/slide9.xml><?xml version="1.0" encoding="utf-8"?>
 <p:sld xmlns:a="http://schemas.openxmlformats.org/drawingml/2006/main" xmlns:r="http://schemas.openxmlformats.org/officeDocument/2006/relationships" xmlns:p="http://schemas.openxmlformats.org/presentationml/2006/main">
   <p:cSld>
     <p:spTree>
@@ -19921,478 +20383,6 @@
     <p:extLst>
       <p:ext uri="{BB962C8B-B14F-4D97-AF65-F5344CB8AC3E}">
         <p14:creationId xmlns:p14="http://schemas.microsoft.com/office/powerpoint/2010/main" val="436074264"/>
-      </p:ext>
-    </p:extLst>
-  </p:cSld>
-  <p:clrMapOvr>
-    <a:masterClrMapping/>
-  </p:clrMapOvr>
-</p:sld>
-</file>
-
-<file path=ppt/slides/slide9.xml><?xml version="1.0" encoding="utf-8"?>
-<p:sld xmlns:a="http://schemas.openxmlformats.org/drawingml/2006/main" xmlns:r="http://schemas.openxmlformats.org/officeDocument/2006/relationships" xmlns:p="http://schemas.openxmlformats.org/presentationml/2006/main">
-  <p:cSld>
-    <p:spTree>
-      <p:nvGrpSpPr>
-        <p:cNvPr id="1" name=""/>
-        <p:cNvGrpSpPr/>
-        <p:nvPr/>
-      </p:nvGrpSpPr>
-      <p:grpSpPr>
-        <a:xfrm>
-          <a:off x="0" y="0"/>
-          <a:ext cx="0" cy="0"/>
-          <a:chOff x="0" y="0"/>
-          <a:chExt cx="0" cy="0"/>
-        </a:xfrm>
-      </p:grpSpPr>
-      <p:sp>
-        <p:nvSpPr>
-          <p:cNvPr id="2" name="Title 1">
-            <a:extLst>
-              <a:ext uri="{FF2B5EF4-FFF2-40B4-BE49-F238E27FC236}">
-                <a16:creationId xmlns:a16="http://schemas.microsoft.com/office/drawing/2014/main" id="{2E96E63E-5FA0-9806-7A4F-D99EBE3F28D0}"/>
-              </a:ext>
-            </a:extLst>
-          </p:cNvPr>
-          <p:cNvSpPr>
-            <a:spLocks noGrp="1"/>
-          </p:cNvSpPr>
-          <p:nvPr>
-            <p:ph type="title"/>
-          </p:nvPr>
-        </p:nvSpPr>
-        <p:spPr/>
-        <p:txBody>
-          <a:bodyPr/>
-          <a:lstStyle/>
-          <a:p>
-            <a:r>
-              <a:rPr lang="en-US" dirty="0"/>
-              <a:t>Permanent and perfect matchings</a:t>
-            </a:r>
-          </a:p>
-        </p:txBody>
-      </p:sp>
-      <p:pic>
-        <p:nvPicPr>
-          <p:cNvPr id="5" name="Picture 4">
-            <a:extLst>
-              <a:ext uri="{FF2B5EF4-FFF2-40B4-BE49-F238E27FC236}">
-                <a16:creationId xmlns:a16="http://schemas.microsoft.com/office/drawing/2014/main" id="{A59BE758-5C05-D432-4A2A-D2EAD5684654}"/>
-              </a:ext>
-            </a:extLst>
-          </p:cNvPr>
-          <p:cNvPicPr>
-            <a:picLocks noChangeAspect="1"/>
-          </p:cNvPicPr>
-          <p:nvPr/>
-        </p:nvPicPr>
-        <p:blipFill>
-          <a:blip r:embed="rId2"/>
-          <a:stretch>
-            <a:fillRect/>
-          </a:stretch>
-        </p:blipFill>
-        <p:spPr>
-          <a:xfrm>
-            <a:off x="489755" y="1690688"/>
-            <a:ext cx="11212490" cy="3858163"/>
-          </a:xfrm>
-          <a:prstGeom prst="rect">
-            <a:avLst/>
-          </a:prstGeom>
-        </p:spPr>
-      </p:pic>
-      <p:sp>
-        <p:nvSpPr>
-          <p:cNvPr id="6" name="Rectangle 5">
-            <a:extLst>
-              <a:ext uri="{FF2B5EF4-FFF2-40B4-BE49-F238E27FC236}">
-                <a16:creationId xmlns:a16="http://schemas.microsoft.com/office/drawing/2014/main" id="{24A4170D-29AE-1C47-EC52-C521667FFD49}"/>
-              </a:ext>
-            </a:extLst>
-          </p:cNvPr>
-          <p:cNvSpPr/>
-          <p:nvPr/>
-        </p:nvSpPr>
-        <p:spPr>
-          <a:xfrm>
-            <a:off x="4467225" y="4829175"/>
-            <a:ext cx="3000375" cy="719676"/>
-          </a:xfrm>
-          <a:prstGeom prst="rect">
-            <a:avLst/>
-          </a:prstGeom>
-          <a:noFill/>
-          <a:ln w="38100">
-            <a:solidFill>
-              <a:srgbClr val="FF0000"/>
-            </a:solidFill>
-          </a:ln>
-        </p:spPr>
-        <p:style>
-          <a:lnRef idx="2">
-            <a:schemeClr val="accent1">
-              <a:shade val="15000"/>
-            </a:schemeClr>
-          </a:lnRef>
-          <a:fillRef idx="1">
-            <a:schemeClr val="accent1"/>
-          </a:fillRef>
-          <a:effectRef idx="0">
-            <a:schemeClr val="accent1"/>
-          </a:effectRef>
-          <a:fontRef idx="minor">
-            <a:schemeClr val="lt1"/>
-          </a:fontRef>
-        </p:style>
-        <p:txBody>
-          <a:bodyPr rtlCol="0" anchor="ctr"/>
-          <a:lstStyle/>
-          <a:p>
-            <a:pPr algn="ctr"/>
-            <a:endParaRPr lang="en-US"/>
-          </a:p>
-        </p:txBody>
-      </p:sp>
-      <p:sp>
-        <p:nvSpPr>
-          <p:cNvPr id="7" name="Content Placeholder 2">
-            <a:extLst>
-              <a:ext uri="{FF2B5EF4-FFF2-40B4-BE49-F238E27FC236}">
-                <a16:creationId xmlns:a16="http://schemas.microsoft.com/office/drawing/2014/main" id="{61994A8E-DF6C-646C-CDB8-73A24AE62249}"/>
-              </a:ext>
-            </a:extLst>
-          </p:cNvPr>
-          <p:cNvSpPr txBox="1">
-            <a:spLocks/>
-          </p:cNvSpPr>
-          <p:nvPr/>
-        </p:nvSpPr>
-        <p:spPr>
-          <a:xfrm>
-            <a:off x="6867526" y="5845175"/>
-            <a:ext cx="4834720" cy="536575"/>
-          </a:xfrm>
-          <a:prstGeom prst="rect">
-            <a:avLst/>
-          </a:prstGeom>
-        </p:spPr>
-        <p:txBody>
-          <a:bodyPr vert="horz" lIns="91440" tIns="45720" rIns="91440" bIns="45720" rtlCol="0">
-            <a:normAutofit/>
-          </a:bodyPr>
-          <a:lstStyle>
-            <a:lvl1pPr marL="228600" indent="-228600" algn="l" defTabSz="914400" rtl="0" eaLnBrk="1" latinLnBrk="0" hangingPunct="1">
-              <a:lnSpc>
-                <a:spcPct val="90000"/>
-              </a:lnSpc>
-              <a:spcBef>
-                <a:spcPts val="1000"/>
-              </a:spcBef>
-              <a:buFont typeface="Arial" panose="020B0604020202020204" pitchFamily="34" charset="0"/>
-              <a:buChar char="•"/>
-              <a:defRPr sz="2800" kern="1200">
-                <a:solidFill>
-                  <a:schemeClr val="tx1"/>
-                </a:solidFill>
-                <a:latin typeface="+mn-lt"/>
-                <a:ea typeface="+mn-ea"/>
-                <a:cs typeface="+mn-cs"/>
-              </a:defRPr>
-            </a:lvl1pPr>
-            <a:lvl2pPr marL="685800" indent="-228600" algn="l" defTabSz="914400" rtl="0" eaLnBrk="1" latinLnBrk="0" hangingPunct="1">
-              <a:lnSpc>
-                <a:spcPct val="90000"/>
-              </a:lnSpc>
-              <a:spcBef>
-                <a:spcPts val="500"/>
-              </a:spcBef>
-              <a:buFont typeface="Arial" panose="020B0604020202020204" pitchFamily="34" charset="0"/>
-              <a:buChar char="•"/>
-              <a:defRPr sz="2400" kern="1200">
-                <a:solidFill>
-                  <a:schemeClr val="tx1"/>
-                </a:solidFill>
-                <a:latin typeface="+mn-lt"/>
-                <a:ea typeface="+mn-ea"/>
-                <a:cs typeface="+mn-cs"/>
-              </a:defRPr>
-            </a:lvl2pPr>
-            <a:lvl3pPr marL="1143000" indent="-228600" algn="l" defTabSz="914400" rtl="0" eaLnBrk="1" latinLnBrk="0" hangingPunct="1">
-              <a:lnSpc>
-                <a:spcPct val="90000"/>
-              </a:lnSpc>
-              <a:spcBef>
-                <a:spcPts val="500"/>
-              </a:spcBef>
-              <a:buFont typeface="Arial" panose="020B0604020202020204" pitchFamily="34" charset="0"/>
-              <a:buChar char="•"/>
-              <a:defRPr sz="2000" kern="1200">
-                <a:solidFill>
-                  <a:schemeClr val="tx1"/>
-                </a:solidFill>
-                <a:latin typeface="+mn-lt"/>
-                <a:ea typeface="+mn-ea"/>
-                <a:cs typeface="+mn-cs"/>
-              </a:defRPr>
-            </a:lvl3pPr>
-            <a:lvl4pPr marL="1600200" indent="-228600" algn="l" defTabSz="914400" rtl="0" eaLnBrk="1" latinLnBrk="0" hangingPunct="1">
-              <a:lnSpc>
-                <a:spcPct val="90000"/>
-              </a:lnSpc>
-              <a:spcBef>
-                <a:spcPts val="500"/>
-              </a:spcBef>
-              <a:buFont typeface="Arial" panose="020B0604020202020204" pitchFamily="34" charset="0"/>
-              <a:buChar char="•"/>
-              <a:defRPr sz="1800" kern="1200">
-                <a:solidFill>
-                  <a:schemeClr val="tx1"/>
-                </a:solidFill>
-                <a:latin typeface="+mn-lt"/>
-                <a:ea typeface="+mn-ea"/>
-                <a:cs typeface="+mn-cs"/>
-              </a:defRPr>
-            </a:lvl4pPr>
-            <a:lvl5pPr marL="2057400" indent="-228600" algn="l" defTabSz="914400" rtl="0" eaLnBrk="1" latinLnBrk="0" hangingPunct="1">
-              <a:lnSpc>
-                <a:spcPct val="90000"/>
-              </a:lnSpc>
-              <a:spcBef>
-                <a:spcPts val="500"/>
-              </a:spcBef>
-              <a:buFont typeface="Arial" panose="020B0604020202020204" pitchFamily="34" charset="0"/>
-              <a:buChar char="•"/>
-              <a:defRPr sz="1800" kern="1200">
-                <a:solidFill>
-                  <a:schemeClr val="tx1"/>
-                </a:solidFill>
-                <a:latin typeface="+mn-lt"/>
-                <a:ea typeface="+mn-ea"/>
-                <a:cs typeface="+mn-cs"/>
-              </a:defRPr>
-            </a:lvl5pPr>
-            <a:lvl6pPr marL="2514600" indent="-228600" algn="l" defTabSz="914400" rtl="0" eaLnBrk="1" latinLnBrk="0" hangingPunct="1">
-              <a:lnSpc>
-                <a:spcPct val="90000"/>
-              </a:lnSpc>
-              <a:spcBef>
-                <a:spcPts val="500"/>
-              </a:spcBef>
-              <a:buFont typeface="Arial" panose="020B0604020202020204" pitchFamily="34" charset="0"/>
-              <a:buChar char="•"/>
-              <a:defRPr sz="1800" kern="1200">
-                <a:solidFill>
-                  <a:schemeClr val="tx1"/>
-                </a:solidFill>
-                <a:latin typeface="+mn-lt"/>
-                <a:ea typeface="+mn-ea"/>
-                <a:cs typeface="+mn-cs"/>
-              </a:defRPr>
-            </a:lvl6pPr>
-            <a:lvl7pPr marL="2971800" indent="-228600" algn="l" defTabSz="914400" rtl="0" eaLnBrk="1" latinLnBrk="0" hangingPunct="1">
-              <a:lnSpc>
-                <a:spcPct val="90000"/>
-              </a:lnSpc>
-              <a:spcBef>
-                <a:spcPts val="500"/>
-              </a:spcBef>
-              <a:buFont typeface="Arial" panose="020B0604020202020204" pitchFamily="34" charset="0"/>
-              <a:buChar char="•"/>
-              <a:defRPr sz="1800" kern="1200">
-                <a:solidFill>
-                  <a:schemeClr val="tx1"/>
-                </a:solidFill>
-                <a:latin typeface="+mn-lt"/>
-                <a:ea typeface="+mn-ea"/>
-                <a:cs typeface="+mn-cs"/>
-              </a:defRPr>
-            </a:lvl7pPr>
-            <a:lvl8pPr marL="3429000" indent="-228600" algn="l" defTabSz="914400" rtl="0" eaLnBrk="1" latinLnBrk="0" hangingPunct="1">
-              <a:lnSpc>
-                <a:spcPct val="90000"/>
-              </a:lnSpc>
-              <a:spcBef>
-                <a:spcPts val="500"/>
-              </a:spcBef>
-              <a:buFont typeface="Arial" panose="020B0604020202020204" pitchFamily="34" charset="0"/>
-              <a:buChar char="•"/>
-              <a:defRPr sz="1800" kern="1200">
-                <a:solidFill>
-                  <a:schemeClr val="tx1"/>
-                </a:solidFill>
-                <a:latin typeface="+mn-lt"/>
-                <a:ea typeface="+mn-ea"/>
-                <a:cs typeface="+mn-cs"/>
-              </a:defRPr>
-            </a:lvl8pPr>
-            <a:lvl9pPr marL="3886200" indent="-228600" algn="l" defTabSz="914400" rtl="0" eaLnBrk="1" latinLnBrk="0" hangingPunct="1">
-              <a:lnSpc>
-                <a:spcPct val="90000"/>
-              </a:lnSpc>
-              <a:spcBef>
-                <a:spcPts val="500"/>
-              </a:spcBef>
-              <a:buFont typeface="Arial" panose="020B0604020202020204" pitchFamily="34" charset="0"/>
-              <a:buChar char="•"/>
-              <a:defRPr sz="1800" kern="1200">
-                <a:solidFill>
-                  <a:schemeClr val="tx1"/>
-                </a:solidFill>
-                <a:latin typeface="+mn-lt"/>
-                <a:ea typeface="+mn-ea"/>
-                <a:cs typeface="+mn-cs"/>
-              </a:defRPr>
-            </a:lvl9pPr>
-          </a:lstStyle>
-          <a:p>
-            <a:pPr marL="0" indent="0" algn="r">
-              <a:buNone/>
-            </a:pPr>
-            <a:r>
-              <a:rPr lang="en-US" sz="1400" i="1" dirty="0"/>
-              <a:t>Source: </a:t>
-            </a:r>
-            <a:r>
-              <a:rPr lang="en-US" sz="1400" i="1" dirty="0" err="1"/>
-              <a:t>Sereni</a:t>
-            </a:r>
-            <a:r>
-              <a:rPr lang="en-US" sz="1400" i="1" dirty="0"/>
-              <a:t> J.-S., M. </a:t>
-            </a:r>
-            <a:r>
-              <a:rPr lang="en-US" sz="1400" i="1" dirty="0" err="1"/>
-              <a:t>Loebl</a:t>
-            </a:r>
-            <a:r>
-              <a:rPr lang="en-US" sz="1400" i="1" dirty="0"/>
-              <a:t>, </a:t>
-            </a:r>
-            <a:r>
-              <a:rPr lang="en-US" sz="1400" i="1" dirty="0" err="1"/>
-              <a:t>Univerzita</a:t>
-            </a:r>
-            <a:r>
-              <a:rPr lang="en-US" sz="1400" i="1" dirty="0"/>
-              <a:t> </a:t>
-            </a:r>
-            <a:r>
-              <a:rPr lang="en-US" sz="1400" i="1" dirty="0" err="1"/>
-              <a:t>Karlova</a:t>
-            </a:r>
-            <a:endParaRPr lang="en-US" i="1" dirty="0"/>
-          </a:p>
-        </p:txBody>
-      </p:sp>
-      <p:sp>
-        <p:nvSpPr>
-          <p:cNvPr id="8" name="Rectangle 7">
-            <a:extLst>
-              <a:ext uri="{FF2B5EF4-FFF2-40B4-BE49-F238E27FC236}">
-                <a16:creationId xmlns:a16="http://schemas.microsoft.com/office/drawing/2014/main" id="{D589656D-76B8-C89F-1208-6FD909E341FF}"/>
-              </a:ext>
-            </a:extLst>
-          </p:cNvPr>
-          <p:cNvSpPr/>
-          <p:nvPr/>
-        </p:nvSpPr>
-        <p:spPr>
-          <a:xfrm>
-            <a:off x="1762126" y="3305175"/>
-            <a:ext cx="2057400" cy="400050"/>
-          </a:xfrm>
-          <a:prstGeom prst="rect">
-            <a:avLst/>
-          </a:prstGeom>
-          <a:solidFill>
-            <a:srgbClr val="FFFF00">
-              <a:alpha val="24000"/>
-            </a:srgbClr>
-          </a:solidFill>
-          <a:ln>
-            <a:noFill/>
-          </a:ln>
-        </p:spPr>
-        <p:style>
-          <a:lnRef idx="2">
-            <a:schemeClr val="accent1">
-              <a:shade val="15000"/>
-            </a:schemeClr>
-          </a:lnRef>
-          <a:fillRef idx="1">
-            <a:schemeClr val="accent1"/>
-          </a:fillRef>
-          <a:effectRef idx="0">
-            <a:schemeClr val="accent1"/>
-          </a:effectRef>
-          <a:fontRef idx="minor">
-            <a:schemeClr val="lt1"/>
-          </a:fontRef>
-        </p:style>
-        <p:txBody>
-          <a:bodyPr rtlCol="0" anchor="ctr"/>
-          <a:lstStyle/>
-          <a:p>
-            <a:pPr algn="ctr"/>
-            <a:endParaRPr lang="en-US" dirty="0"/>
-          </a:p>
-        </p:txBody>
-      </p:sp>
-      <p:pic>
-        <p:nvPicPr>
-          <p:cNvPr id="10" name="Picture 2" descr="Identité ‒ Présentation ‐ EPFL">
-            <a:extLst>
-              <a:ext uri="{FF2B5EF4-FFF2-40B4-BE49-F238E27FC236}">
-                <a16:creationId xmlns:a16="http://schemas.microsoft.com/office/drawing/2014/main" id="{1F229520-820D-B4E7-9F1E-AAFC68EA56C5}"/>
-              </a:ext>
-            </a:extLst>
-          </p:cNvPr>
-          <p:cNvPicPr>
-            <a:picLocks noChangeAspect="1" noChangeArrowheads="1"/>
-          </p:cNvPicPr>
-          <p:nvPr/>
-        </p:nvPicPr>
-        <p:blipFill>
-          <a:blip r:embed="rId3">
-            <a:extLst>
-              <a:ext uri="{28A0092B-C50C-407E-A947-70E740481C1C}">
-                <a14:useLocalDpi xmlns:a14="http://schemas.microsoft.com/office/drawing/2010/main" val="0"/>
-              </a:ext>
-            </a:extLst>
-          </a:blip>
-          <a:srcRect/>
-          <a:stretch>
-            <a:fillRect/>
-          </a:stretch>
-        </p:blipFill>
-        <p:spPr bwMode="auto">
-          <a:xfrm>
-            <a:off x="10172700" y="0"/>
-            <a:ext cx="2019300" cy="1135856"/>
-          </a:xfrm>
-          <a:prstGeom prst="rect">
-            <a:avLst/>
-          </a:prstGeom>
-          <a:noFill/>
-          <a:extLst>
-            <a:ext uri="{909E8E84-426E-40DD-AFC4-6F175D3DCCD1}">
-              <a14:hiddenFill xmlns:a14="http://schemas.microsoft.com/office/drawing/2010/main">
-                <a:solidFill>
-                  <a:srgbClr val="FFFFFF"/>
-                </a:solidFill>
-              </a14:hiddenFill>
-            </a:ext>
-          </a:extLst>
-        </p:spPr>
-      </p:pic>
-    </p:spTree>
-    <p:extLst>
-      <p:ext uri="{BB962C8B-B14F-4D97-AF65-F5344CB8AC3E}">
-        <p14:creationId xmlns:p14="http://schemas.microsoft.com/office/powerpoint/2010/main" val="2539228577"/>
       </p:ext>
     </p:extLst>
   </p:cSld>
